--- a/COVID-19/presentations/Checkpoint 10 de Maio.pptx
+++ b/COVID-19/presentations/Checkpoint 10 de Maio.pptx
@@ -202,7 +202,7 @@
           <a:p>
             <a:fld id="{2277750E-4D79-494A-9404-20FAE8D53E3B}" type="datetimeFigureOut">
               <a:rPr lang="en-PT" smtClean="0"/>
-              <a:t>09/05/2020</a:t>
+              <a:t>10/05/2020</a:t>
             </a:fld>
             <a:endParaRPr lang="en-PT"/>
           </a:p>
@@ -871,7 +871,7 @@
           <a:p>
             <a:fld id="{6373D9D4-E009-9D41-BC97-6A0F96C1AD3C}" type="datetimeFigureOut">
               <a:rPr lang="en-PT" smtClean="0"/>
-              <a:t>09/05/2020</a:t>
+              <a:t>10/05/2020</a:t>
             </a:fld>
             <a:endParaRPr lang="en-PT"/>
           </a:p>
@@ -1071,7 +1071,7 @@
           <a:p>
             <a:fld id="{6373D9D4-E009-9D41-BC97-6A0F96C1AD3C}" type="datetimeFigureOut">
               <a:rPr lang="en-PT" smtClean="0"/>
-              <a:t>09/05/2020</a:t>
+              <a:t>10/05/2020</a:t>
             </a:fld>
             <a:endParaRPr lang="en-PT"/>
           </a:p>
@@ -1281,7 +1281,7 @@
           <a:p>
             <a:fld id="{6373D9D4-E009-9D41-BC97-6A0F96C1AD3C}" type="datetimeFigureOut">
               <a:rPr lang="en-PT" smtClean="0"/>
-              <a:t>09/05/2020</a:t>
+              <a:t>10/05/2020</a:t>
             </a:fld>
             <a:endParaRPr lang="en-PT"/>
           </a:p>
@@ -1481,7 +1481,7 @@
           <a:p>
             <a:fld id="{6373D9D4-E009-9D41-BC97-6A0F96C1AD3C}" type="datetimeFigureOut">
               <a:rPr lang="en-PT" smtClean="0"/>
-              <a:t>09/05/2020</a:t>
+              <a:t>10/05/2020</a:t>
             </a:fld>
             <a:endParaRPr lang="en-PT"/>
           </a:p>
@@ -1757,7 +1757,7 @@
           <a:p>
             <a:fld id="{6373D9D4-E009-9D41-BC97-6A0F96C1AD3C}" type="datetimeFigureOut">
               <a:rPr lang="en-PT" smtClean="0"/>
-              <a:t>09/05/2020</a:t>
+              <a:t>10/05/2020</a:t>
             </a:fld>
             <a:endParaRPr lang="en-PT"/>
           </a:p>
@@ -2025,7 +2025,7 @@
           <a:p>
             <a:fld id="{6373D9D4-E009-9D41-BC97-6A0F96C1AD3C}" type="datetimeFigureOut">
               <a:rPr lang="en-PT" smtClean="0"/>
-              <a:t>09/05/2020</a:t>
+              <a:t>10/05/2020</a:t>
             </a:fld>
             <a:endParaRPr lang="en-PT"/>
           </a:p>
@@ -2440,7 +2440,7 @@
           <a:p>
             <a:fld id="{6373D9D4-E009-9D41-BC97-6A0F96C1AD3C}" type="datetimeFigureOut">
               <a:rPr lang="en-PT" smtClean="0"/>
-              <a:t>09/05/2020</a:t>
+              <a:t>10/05/2020</a:t>
             </a:fld>
             <a:endParaRPr lang="en-PT"/>
           </a:p>
@@ -2582,7 +2582,7 @@
           <a:p>
             <a:fld id="{6373D9D4-E009-9D41-BC97-6A0F96C1AD3C}" type="datetimeFigureOut">
               <a:rPr lang="en-PT" smtClean="0"/>
-              <a:t>09/05/2020</a:t>
+              <a:t>10/05/2020</a:t>
             </a:fld>
             <a:endParaRPr lang="en-PT"/>
           </a:p>
@@ -2695,7 +2695,7 @@
           <a:p>
             <a:fld id="{6373D9D4-E009-9D41-BC97-6A0F96C1AD3C}" type="datetimeFigureOut">
               <a:rPr lang="en-PT" smtClean="0"/>
-              <a:t>09/05/2020</a:t>
+              <a:t>10/05/2020</a:t>
             </a:fld>
             <a:endParaRPr lang="en-PT"/>
           </a:p>
@@ -3008,7 +3008,7 @@
           <a:p>
             <a:fld id="{6373D9D4-E009-9D41-BC97-6A0F96C1AD3C}" type="datetimeFigureOut">
               <a:rPr lang="en-PT" smtClean="0"/>
-              <a:t>09/05/2020</a:t>
+              <a:t>10/05/2020</a:t>
             </a:fld>
             <a:endParaRPr lang="en-PT"/>
           </a:p>
@@ -3297,7 +3297,7 @@
           <a:p>
             <a:fld id="{6373D9D4-E009-9D41-BC97-6A0F96C1AD3C}" type="datetimeFigureOut">
               <a:rPr lang="en-PT" smtClean="0"/>
-              <a:t>09/05/2020</a:t>
+              <a:t>10/05/2020</a:t>
             </a:fld>
             <a:endParaRPr lang="en-PT"/>
           </a:p>
@@ -3540,7 +3540,7 @@
           <a:p>
             <a:fld id="{6373D9D4-E009-9D41-BC97-6A0F96C1AD3C}" type="datetimeFigureOut">
               <a:rPr lang="en-PT" smtClean="0"/>
-              <a:t>09/05/2020</a:t>
+              <a:t>10/05/2020</a:t>
             </a:fld>
             <a:endParaRPr lang="en-PT"/>
           </a:p>
@@ -8063,7 +8063,7 @@
                 <a:latin typeface="Optima" panose="02000503060000020004" pitchFamily="2" charset="0"/>
                 <a:cs typeface="Berlin Sans FB" panose="020F0502020204030204" pitchFamily="34" charset="0"/>
               </a:rPr>
-              <a:t>Numa fase posterior, pretendemos considerar não apenas </a:t>
+              <a:t>De forma a dificultar a previsão, considerámos, noutra abordagem, não </a:t>
             </a:r>
             <a:r>
               <a:rPr lang="en-PT" b="1" dirty="0">
@@ -8077,14 +8077,14 @@
                 <a:latin typeface="Optima" panose="02000503060000020004" pitchFamily="2" charset="0"/>
                 <a:cs typeface="Berlin Sans FB" panose="020F0502020204030204" pitchFamily="34" charset="0"/>
               </a:rPr>
-              <a:t>(dado que facilita bastante a tarefa da previsão), tentar adaptar para uma previsão do número de casos, por exemplo, </a:t>
+              <a:t>(dado que facilita bastante a tarefa da previsão), mas sim o número de casos conhecidos </a:t>
             </a:r>
             <a:r>
               <a:rPr lang="en-PT" b="1" dirty="0">
                 <a:latin typeface="Optima" panose="02000503060000020004" pitchFamily="2" charset="0"/>
                 <a:cs typeface="Berlin Sans FB" panose="020F0502020204030204" pitchFamily="34" charset="0"/>
               </a:rPr>
-              <a:t>da semana seguinte</a:t>
+              <a:t>na semana anterior</a:t>
             </a:r>
             <a:endParaRPr lang="en-GB" b="1" dirty="0">
               <a:latin typeface="Optima" panose="02000503060000020004" pitchFamily="2" charset="0"/>

--- a/COVID-19/presentations/Checkpoint 10 de Maio.pptx
+++ b/COVID-19/presentations/Checkpoint 10 de Maio.pptx
@@ -4151,7 +4151,7 @@
         <p:spPr>
           <a:xfrm>
             <a:off x="5004886" y="2733348"/>
-            <a:ext cx="6439399" cy="1384995"/>
+            <a:ext cx="6439399" cy="1292662"/>
           </a:xfrm>
           <a:prstGeom prst="rect">
             <a:avLst/>
@@ -4173,10 +4173,34 @@
             </a:r>
           </a:p>
           <a:p>
-            <a:endParaRPr lang="en-GB" sz="2400" dirty="0">
-              <a:latin typeface="Optima" panose="02000503060000020004" pitchFamily="2" charset="0"/>
-              <a:cs typeface="Berlin Sans FB" panose="020F0502020204030204" pitchFamily="34" charset="0"/>
-            </a:endParaRPr>
+            <a:r>
+              <a:rPr lang="en-GB" dirty="0" err="1">
+                <a:latin typeface="Optima" panose="02000503060000020004" pitchFamily="2" charset="0"/>
+                <a:cs typeface="Berlin Sans FB" panose="020F0502020204030204" pitchFamily="34" charset="0"/>
+              </a:rPr>
+              <a:t>Unidade</a:t>
+            </a:r>
+            <a:r>
+              <a:rPr lang="en-GB" dirty="0">
+                <a:latin typeface="Optima" panose="02000503060000020004" pitchFamily="2" charset="0"/>
+                <a:cs typeface="Berlin Sans FB" panose="020F0502020204030204" pitchFamily="34" charset="0"/>
+              </a:rPr>
+              <a:t> Curricular: </a:t>
+            </a:r>
+            <a:r>
+              <a:rPr lang="en-GB" dirty="0" err="1">
+                <a:latin typeface="Optima" panose="02000503060000020004" pitchFamily="2" charset="0"/>
+                <a:cs typeface="Berlin Sans FB" panose="020F0502020204030204" pitchFamily="34" charset="0"/>
+              </a:rPr>
+              <a:t>Inteligência</a:t>
+            </a:r>
+            <a:r>
+              <a:rPr lang="en-GB" dirty="0">
+                <a:latin typeface="Optima" panose="02000503060000020004" pitchFamily="2" charset="0"/>
+                <a:cs typeface="Berlin Sans FB" panose="020F0502020204030204" pitchFamily="34" charset="0"/>
+              </a:rPr>
+              <a:t> Artificial</a:t>
+            </a:r>
           </a:p>
           <a:p>
             <a:r>
@@ -4777,7 +4801,7 @@
         <p:spPr>
           <a:xfrm>
             <a:off x="609349" y="502365"/>
-            <a:ext cx="6439399" cy="461665"/>
+            <a:ext cx="6439399" cy="523220"/>
           </a:xfrm>
           <a:prstGeom prst="rect">
             <a:avLst/>
@@ -4791,27 +4815,27 @@
           <a:lstStyle/>
           <a:p>
             <a:r>
-              <a:rPr lang="en-GB" sz="2400" dirty="0" err="1">
+              <a:rPr lang="en-GB" sz="2800" dirty="0" err="1">
                 <a:latin typeface="Optima" panose="02000503060000020004" pitchFamily="2" charset="0"/>
                 <a:cs typeface="Berlin Sans FB" panose="020F0502020204030204" pitchFamily="34" charset="0"/>
               </a:rPr>
               <a:t>Definição</a:t>
             </a:r>
             <a:r>
-              <a:rPr lang="en-GB" sz="2400" dirty="0">
+              <a:rPr lang="en-GB" sz="2800" dirty="0">
                 <a:latin typeface="Optima" panose="02000503060000020004" pitchFamily="2" charset="0"/>
                 <a:cs typeface="Berlin Sans FB" panose="020F0502020204030204" pitchFamily="34" charset="0"/>
               </a:rPr>
               <a:t> do </a:t>
             </a:r>
             <a:r>
-              <a:rPr lang="en-GB" sz="2400" dirty="0" err="1">
+              <a:rPr lang="en-GB" sz="2800" dirty="0" err="1">
                 <a:latin typeface="Optima" panose="02000503060000020004" pitchFamily="2" charset="0"/>
                 <a:cs typeface="Berlin Sans FB" panose="020F0502020204030204" pitchFamily="34" charset="0"/>
               </a:rPr>
               <a:t>problema</a:t>
             </a:r>
-            <a:endParaRPr lang="en-GB" sz="2400" dirty="0">
+            <a:endParaRPr lang="en-GB" sz="2800" dirty="0">
               <a:latin typeface="Optima" panose="02000503060000020004" pitchFamily="2" charset="0"/>
               <a:cs typeface="Berlin Sans FB" panose="020F0502020204030204" pitchFamily="34" charset="0"/>
             </a:endParaRPr>
@@ -6537,7 +6561,7 @@
         <p:spPr>
           <a:xfrm>
             <a:off x="609349" y="502365"/>
-            <a:ext cx="6439399" cy="461665"/>
+            <a:ext cx="6439399" cy="523220"/>
           </a:xfrm>
           <a:prstGeom prst="rect">
             <a:avLst/>
@@ -6551,20 +6575,20 @@
           <a:lstStyle/>
           <a:p>
             <a:r>
-              <a:rPr lang="en-GB" sz="2400" dirty="0">
+              <a:rPr lang="en-GB" sz="2800" dirty="0">
                 <a:latin typeface="Optima" panose="02000503060000020004" pitchFamily="2" charset="0"/>
                 <a:cs typeface="Berlin Sans FB" panose="020F0502020204030204" pitchFamily="34" charset="0"/>
               </a:rPr>
               <a:t>Ferramentas a </a:t>
             </a:r>
             <a:r>
-              <a:rPr lang="en-GB" sz="2400" dirty="0" err="1">
+              <a:rPr lang="en-GB" sz="2800" dirty="0" err="1">
                 <a:latin typeface="Optima" panose="02000503060000020004" pitchFamily="2" charset="0"/>
                 <a:cs typeface="Berlin Sans FB" panose="020F0502020204030204" pitchFamily="34" charset="0"/>
               </a:rPr>
               <a:t>utilizar</a:t>
             </a:r>
-            <a:endParaRPr lang="en-GB" sz="2400" dirty="0">
+            <a:endParaRPr lang="en-GB" sz="2800" dirty="0">
               <a:latin typeface="Optima" panose="02000503060000020004" pitchFamily="2" charset="0"/>
               <a:cs typeface="Berlin Sans FB" panose="020F0502020204030204" pitchFamily="34" charset="0"/>
             </a:endParaRPr>
@@ -8348,7 +8372,7 @@
         <p:spPr>
           <a:xfrm>
             <a:off x="609349" y="502365"/>
-            <a:ext cx="6439399" cy="461665"/>
+            <a:ext cx="6439399" cy="523220"/>
           </a:xfrm>
           <a:prstGeom prst="rect">
             <a:avLst/>
@@ -8362,20 +8386,20 @@
           <a:lstStyle/>
           <a:p>
             <a:r>
-              <a:rPr lang="en-GB" sz="2400" dirty="0">
+              <a:rPr lang="en-GB" sz="2800" dirty="0">
                 <a:latin typeface="Optima" panose="02000503060000020004" pitchFamily="2" charset="0"/>
                 <a:cs typeface="Berlin Sans FB" panose="020F0502020204030204" pitchFamily="34" charset="0"/>
               </a:rPr>
               <a:t>Ferramentas a </a:t>
             </a:r>
             <a:r>
-              <a:rPr lang="en-GB" sz="2400" dirty="0" err="1">
+              <a:rPr lang="en-GB" sz="2800" dirty="0" err="1">
                 <a:latin typeface="Optima" panose="02000503060000020004" pitchFamily="2" charset="0"/>
                 <a:cs typeface="Berlin Sans FB" panose="020F0502020204030204" pitchFamily="34" charset="0"/>
               </a:rPr>
               <a:t>utilizar</a:t>
             </a:r>
-            <a:endParaRPr lang="en-GB" sz="2400" dirty="0">
+            <a:endParaRPr lang="en-GB" sz="2800" dirty="0">
               <a:latin typeface="Optima" panose="02000503060000020004" pitchFamily="2" charset="0"/>
               <a:cs typeface="Berlin Sans FB" panose="020F0502020204030204" pitchFamily="34" charset="0"/>
             </a:endParaRPr>
@@ -9671,7 +9695,7 @@
         <p:spPr>
           <a:xfrm>
             <a:off x="609349" y="502365"/>
-            <a:ext cx="6439399" cy="461665"/>
+            <a:ext cx="6439399" cy="523220"/>
           </a:xfrm>
           <a:prstGeom prst="rect">
             <a:avLst/>
@@ -9685,13 +9709,13 @@
           <a:lstStyle/>
           <a:p>
             <a:r>
-              <a:rPr lang="en-GB" sz="2400" dirty="0" err="1">
+              <a:rPr lang="en-GB" sz="2800" dirty="0" err="1">
                 <a:latin typeface="Optima" panose="02000503060000020004" pitchFamily="2" charset="0"/>
                 <a:cs typeface="Berlin Sans FB" panose="020F0502020204030204" pitchFamily="34" charset="0"/>
               </a:rPr>
               <a:t>Resultados</a:t>
             </a:r>
-            <a:endParaRPr lang="en-GB" sz="2400" dirty="0">
+            <a:endParaRPr lang="en-GB" sz="2800" dirty="0">
               <a:latin typeface="Optima" panose="02000503060000020004" pitchFamily="2" charset="0"/>
               <a:cs typeface="Berlin Sans FB" panose="020F0502020204030204" pitchFamily="34" charset="0"/>
             </a:endParaRPr>
@@ -14759,7 +14783,7 @@
         <p:spPr>
           <a:xfrm>
             <a:off x="609349" y="502365"/>
-            <a:ext cx="6439399" cy="461665"/>
+            <a:ext cx="6439399" cy="523220"/>
           </a:xfrm>
           <a:prstGeom prst="rect">
             <a:avLst/>
@@ -14773,27 +14797,27 @@
           <a:lstStyle/>
           <a:p>
             <a:r>
-              <a:rPr lang="en-GB" sz="2400" dirty="0" err="1">
+              <a:rPr lang="en-GB" sz="2800" dirty="0" err="1">
                 <a:latin typeface="Optima" panose="02000503060000020004" pitchFamily="2" charset="0"/>
                 <a:cs typeface="Berlin Sans FB" panose="020F0502020204030204" pitchFamily="34" charset="0"/>
               </a:rPr>
               <a:t>Trabalho</a:t>
             </a:r>
             <a:r>
-              <a:rPr lang="en-GB" sz="2400" dirty="0">
+              <a:rPr lang="en-GB" sz="2800" dirty="0">
                 <a:latin typeface="Optima" panose="02000503060000020004" pitchFamily="2" charset="0"/>
                 <a:cs typeface="Berlin Sans FB" panose="020F0502020204030204" pitchFamily="34" charset="0"/>
               </a:rPr>
               <a:t> </a:t>
             </a:r>
             <a:r>
-              <a:rPr lang="en-GB" sz="2400" dirty="0" err="1">
+              <a:rPr lang="en-GB" sz="2800" dirty="0" err="1">
                 <a:latin typeface="Optima" panose="02000503060000020004" pitchFamily="2" charset="0"/>
                 <a:cs typeface="Berlin Sans FB" panose="020F0502020204030204" pitchFamily="34" charset="0"/>
               </a:rPr>
               <a:t>futuro</a:t>
             </a:r>
-            <a:endParaRPr lang="en-GB" sz="2400" dirty="0">
+            <a:endParaRPr lang="en-GB" sz="2800" dirty="0">
               <a:latin typeface="Optima" panose="02000503060000020004" pitchFamily="2" charset="0"/>
               <a:cs typeface="Berlin Sans FB" panose="020F0502020204030204" pitchFamily="34" charset="0"/>
             </a:endParaRPr>
